--- a/Final_presentation.pptx
+++ b/Final_presentation.pptx
@@ -20,6 +20,8 @@
     <p:sldId id="270" r:id="rId14"/>
     <p:sldId id="271" r:id="rId15"/>
     <p:sldId id="272" r:id="rId16"/>
+    <p:sldId id="273" r:id="rId17"/>
+    <p:sldId id="274" r:id="rId18"/>
   </p:sldIdLst>
   <p:sldSz cx="12192000" cy="6858000"/>
   <p:notesSz cx="6858000" cy="9144000"/>
@@ -118,6 +120,11 @@
       </a:defRPr>
     </a:lvl9pPr>
   </p:defaultTextStyle>
+  <p:extLst>
+    <p:ext uri="{EFAFB233-063F-42B5-8137-9DF3F51BA10A}">
+      <p15:sldGuideLst xmlns:p15="http://schemas.microsoft.com/office/powerpoint/2012/main"/>
+    </p:ext>
+  </p:extLst>
 </p:presentation>
 </file>
 
@@ -268,7 +275,7 @@
           <a:p>
             <a:fld id="{0F53D97F-CD3B-5C44-917B-FFEAAAF77F8E}" type="datetimeFigureOut">
               <a:rPr lang="en-US" smtClean="0"/>
-              <a:t>6/2/19</a:t>
+              <a:t>6/3/2019</a:t>
             </a:fld>
             <a:endParaRPr lang="en-US"/>
           </a:p>
@@ -466,7 +473,7 @@
           <a:p>
             <a:fld id="{0F53D97F-CD3B-5C44-917B-FFEAAAF77F8E}" type="datetimeFigureOut">
               <a:rPr lang="en-US" smtClean="0"/>
-              <a:t>6/2/19</a:t>
+              <a:t>6/3/2019</a:t>
             </a:fld>
             <a:endParaRPr lang="en-US"/>
           </a:p>
@@ -674,7 +681,7 @@
           <a:p>
             <a:fld id="{0F53D97F-CD3B-5C44-917B-FFEAAAF77F8E}" type="datetimeFigureOut">
               <a:rPr lang="en-US" smtClean="0"/>
-              <a:t>6/2/19</a:t>
+              <a:t>6/3/2019</a:t>
             </a:fld>
             <a:endParaRPr lang="en-US"/>
           </a:p>
@@ -872,7 +879,7 @@
           <a:p>
             <a:fld id="{0F53D97F-CD3B-5C44-917B-FFEAAAF77F8E}" type="datetimeFigureOut">
               <a:rPr lang="en-US" smtClean="0"/>
-              <a:t>6/2/19</a:t>
+              <a:t>6/3/2019</a:t>
             </a:fld>
             <a:endParaRPr lang="en-US"/>
           </a:p>
@@ -1147,7 +1154,7 @@
           <a:p>
             <a:fld id="{0F53D97F-CD3B-5C44-917B-FFEAAAF77F8E}" type="datetimeFigureOut">
               <a:rPr lang="en-US" smtClean="0"/>
-              <a:t>6/2/19</a:t>
+              <a:t>6/3/2019</a:t>
             </a:fld>
             <a:endParaRPr lang="en-US"/>
           </a:p>
@@ -1412,7 +1419,7 @@
           <a:p>
             <a:fld id="{0F53D97F-CD3B-5C44-917B-FFEAAAF77F8E}" type="datetimeFigureOut">
               <a:rPr lang="en-US" smtClean="0"/>
-              <a:t>6/2/19</a:t>
+              <a:t>6/3/2019</a:t>
             </a:fld>
             <a:endParaRPr lang="en-US"/>
           </a:p>
@@ -1824,7 +1831,7 @@
           <a:p>
             <a:fld id="{0F53D97F-CD3B-5C44-917B-FFEAAAF77F8E}" type="datetimeFigureOut">
               <a:rPr lang="en-US" smtClean="0"/>
-              <a:t>6/2/19</a:t>
+              <a:t>6/3/2019</a:t>
             </a:fld>
             <a:endParaRPr lang="en-US"/>
           </a:p>
@@ -1965,7 +1972,7 @@
           <a:p>
             <a:fld id="{0F53D97F-CD3B-5C44-917B-FFEAAAF77F8E}" type="datetimeFigureOut">
               <a:rPr lang="en-US" smtClean="0"/>
-              <a:t>6/2/19</a:t>
+              <a:t>6/3/2019</a:t>
             </a:fld>
             <a:endParaRPr lang="en-US"/>
           </a:p>
@@ -2078,7 +2085,7 @@
           <a:p>
             <a:fld id="{0F53D97F-CD3B-5C44-917B-FFEAAAF77F8E}" type="datetimeFigureOut">
               <a:rPr lang="en-US" smtClean="0"/>
-              <a:t>6/2/19</a:t>
+              <a:t>6/3/2019</a:t>
             </a:fld>
             <a:endParaRPr lang="en-US"/>
           </a:p>
@@ -2389,7 +2396,7 @@
           <a:p>
             <a:fld id="{0F53D97F-CD3B-5C44-917B-FFEAAAF77F8E}" type="datetimeFigureOut">
               <a:rPr lang="en-US" smtClean="0"/>
-              <a:t>6/2/19</a:t>
+              <a:t>6/3/2019</a:t>
             </a:fld>
             <a:endParaRPr lang="en-US"/>
           </a:p>
@@ -2677,7 +2684,7 @@
           <a:p>
             <a:fld id="{0F53D97F-CD3B-5C44-917B-FFEAAAF77F8E}" type="datetimeFigureOut">
               <a:rPr lang="en-US" smtClean="0"/>
-              <a:t>6/2/19</a:t>
+              <a:t>6/3/2019</a:t>
             </a:fld>
             <a:endParaRPr lang="en-US"/>
           </a:p>
@@ -2918,7 +2925,7 @@
           <a:p>
             <a:fld id="{0F53D97F-CD3B-5C44-917B-FFEAAAF77F8E}" type="datetimeFigureOut">
               <a:rPr lang="en-US" smtClean="0"/>
-              <a:t>6/2/19</a:t>
+              <a:t>6/3/2019</a:t>
             </a:fld>
             <a:endParaRPr lang="en-US"/>
           </a:p>
@@ -3362,7 +3369,12 @@
           <a:lstStyle/>
           <a:p>
             <a:r>
-              <a:rPr lang="en-US" dirty="0"/>
+              <a:rPr lang="en-US" dirty="0">
+                <a:solidFill>
+                  <a:srgbClr val="FF0000"/>
+                </a:solidFill>
+                <a:latin typeface="Gill Sans Nova Cond Ultra Bold" panose="020B0604020202020204" pitchFamily="34" charset="0"/>
+              </a:rPr>
               <a:t>Project presentation</a:t>
             </a:r>
           </a:p>
@@ -3382,8 +3394,8 @@
         </p:nvSpPr>
         <p:spPr>
           <a:xfrm>
-            <a:off x="3101926" y="3453618"/>
-            <a:ext cx="5988148" cy="523220"/>
+            <a:off x="3767752" y="5256685"/>
+            <a:ext cx="4390827" cy="523220"/>
           </a:xfrm>
           <a:prstGeom prst="rect">
             <a:avLst/>
@@ -3398,19 +3410,213 @@
           <a:p>
             <a:r>
               <a:rPr lang="en-US" sz="2800" dirty="0"/>
-              <a:t>Written by Zening Li and </a:t>
-            </a:r>
-            <a:r>
-              <a:rPr lang="en-US" sz="2800" dirty="0" err="1"/>
-              <a:t>Qingxu</a:t>
+              <a:t>By </a:t>
+            </a:r>
+            <a:r>
+              <a:rPr lang="en-US" sz="2800" dirty="0" err="1">
+                <a:latin typeface="Bernard MT Condensed" panose="020B0604020202020204" pitchFamily="18" charset="0"/>
+              </a:rPr>
+              <a:t>Zening</a:t>
+            </a:r>
+            <a:r>
+              <a:rPr lang="en-US" sz="2800" dirty="0">
+                <a:latin typeface="Bernard MT Condensed" panose="020B0604020202020204" pitchFamily="18" charset="0"/>
+              </a:rPr>
+              <a:t> Li </a:t>
             </a:r>
             <a:r>
               <a:rPr lang="en-US" sz="2800" dirty="0"/>
-              <a:t> Wang</a:t>
-            </a:r>
-          </a:p>
-        </p:txBody>
-      </p:sp>
+              <a:t>and </a:t>
+            </a:r>
+            <a:r>
+              <a:rPr lang="en-US" sz="2800" dirty="0">
+                <a:latin typeface="Bernard MT Condensed" panose="02050806060905020404" pitchFamily="18" charset="0"/>
+              </a:rPr>
+              <a:t>Qingxu Wang</a:t>
+            </a:r>
+          </a:p>
+        </p:txBody>
+      </p:sp>
+      <p:sp>
+        <p:nvSpPr>
+          <p:cNvPr id="3" name="TextBox 2">
+            <a:extLst>
+              <a:ext uri="{FF2B5EF4-FFF2-40B4-BE49-F238E27FC236}">
+                <a16:creationId xmlns:a16="http://schemas.microsoft.com/office/drawing/2014/main" id="{4778A29E-530E-41CA-8933-BAF62656FF5C}"/>
+              </a:ext>
+            </a:extLst>
+          </p:cNvPr>
+          <p:cNvSpPr txBox="1"/>
+          <p:nvPr/>
+        </p:nvSpPr>
+        <p:spPr>
+          <a:xfrm rot="2034606">
+            <a:off x="6591877" y="3083573"/>
+            <a:ext cx="2048727" cy="646331"/>
+          </a:xfrm>
+          <a:prstGeom prst="rect">
+            <a:avLst/>
+          </a:prstGeom>
+          <a:noFill/>
+        </p:spPr>
+        <p:txBody>
+          <a:bodyPr wrap="square" rtlCol="0">
+            <a:spAutoFit/>
+          </a:bodyPr>
+          <a:lstStyle/>
+          <a:p>
+            <a:r>
+              <a:rPr lang="en-US" sz="3600" dirty="0">
+                <a:solidFill>
+                  <a:schemeClr val="accent5">
+                    <a:lumMod val="60000"/>
+                    <a:lumOff val="40000"/>
+                  </a:schemeClr>
+                </a:solidFill>
+                <a:latin typeface="Bookman Old Style" panose="02050604050505020204" pitchFamily="18" charset="0"/>
+              </a:rPr>
+              <a:t>Happy?</a:t>
+            </a:r>
+          </a:p>
+        </p:txBody>
+      </p:sp>
+      <p:sp>
+        <p:nvSpPr>
+          <p:cNvPr id="4" name="TextBox 3">
+            <a:extLst>
+              <a:ext uri="{FF2B5EF4-FFF2-40B4-BE49-F238E27FC236}">
+                <a16:creationId xmlns:a16="http://schemas.microsoft.com/office/drawing/2014/main" id="{738F389D-076A-4718-B944-32EB4A24B183}"/>
+              </a:ext>
+            </a:extLst>
+          </p:cNvPr>
+          <p:cNvSpPr txBox="1"/>
+          <p:nvPr/>
+        </p:nvSpPr>
+        <p:spPr>
+          <a:xfrm rot="19631721">
+            <a:off x="3516526" y="2980132"/>
+            <a:ext cx="2014824" cy="646331"/>
+          </a:xfrm>
+          <a:prstGeom prst="rect">
+            <a:avLst/>
+          </a:prstGeom>
+          <a:noFill/>
+        </p:spPr>
+        <p:txBody>
+          <a:bodyPr wrap="square" rtlCol="0">
+            <a:spAutoFit/>
+          </a:bodyPr>
+          <a:lstStyle/>
+          <a:p>
+            <a:r>
+              <a:rPr lang="en-US" sz="3600" dirty="0">
+                <a:solidFill>
+                  <a:schemeClr val="accent5">
+                    <a:lumMod val="60000"/>
+                    <a:lumOff val="40000"/>
+                  </a:schemeClr>
+                </a:solidFill>
+                <a:latin typeface="Bookman Old Style" panose="020B0604020202020204" pitchFamily="18" charset="0"/>
+              </a:rPr>
+              <a:t>Are you</a:t>
+            </a:r>
+          </a:p>
+        </p:txBody>
+      </p:sp>
+      <p:sp>
+        <p:nvSpPr>
+          <p:cNvPr id="6" name="Rectangle 5">
+            <a:extLst>
+              <a:ext uri="{FF2B5EF4-FFF2-40B4-BE49-F238E27FC236}">
+                <a16:creationId xmlns:a16="http://schemas.microsoft.com/office/drawing/2014/main" id="{16939E41-6544-40D0-87BB-FF1A58A48637}"/>
+              </a:ext>
+            </a:extLst>
+          </p:cNvPr>
+          <p:cNvSpPr/>
+          <p:nvPr/>
+        </p:nvSpPr>
+        <p:spPr>
+          <a:xfrm>
+            <a:off x="3368955" y="3977759"/>
+            <a:ext cx="237566" cy="369332"/>
+          </a:xfrm>
+          <a:prstGeom prst="rect">
+            <a:avLst/>
+          </a:prstGeom>
+        </p:spPr>
+        <p:txBody>
+          <a:bodyPr wrap="none">
+            <a:spAutoFit/>
+          </a:bodyPr>
+          <a:lstStyle/>
+          <a:p>
+            <a:r>
+              <a:rPr lang="en-US" dirty="0"/>
+              <a:t> </a:t>
+            </a:r>
+          </a:p>
+        </p:txBody>
+      </p:sp>
+      <p:pic>
+        <p:nvPicPr>
+          <p:cNvPr id="8" name="Picture 7" descr="A picture containing clipart&#10;&#10;Description automatically generated">
+            <a:extLst>
+              <a:ext uri="{FF2B5EF4-FFF2-40B4-BE49-F238E27FC236}">
+                <a16:creationId xmlns:a16="http://schemas.microsoft.com/office/drawing/2014/main" id="{C88FA248-8C67-4ED6-A6D6-1A49BE29D469}"/>
+              </a:ext>
+            </a:extLst>
+          </p:cNvPr>
+          <p:cNvPicPr>
+            <a:picLocks noChangeAspect="1"/>
+          </p:cNvPicPr>
+          <p:nvPr/>
+        </p:nvPicPr>
+        <p:blipFill>
+          <a:blip r:embed="rId2"/>
+          <a:stretch>
+            <a:fillRect/>
+          </a:stretch>
+        </p:blipFill>
+        <p:spPr>
+          <a:xfrm>
+            <a:off x="8782973" y="2632352"/>
+            <a:ext cx="1962424" cy="1714739"/>
+          </a:xfrm>
+          <a:prstGeom prst="rect">
+            <a:avLst/>
+          </a:prstGeom>
+        </p:spPr>
+      </p:pic>
+      <p:pic>
+        <p:nvPicPr>
+          <p:cNvPr id="10" name="Picture 9" descr="A picture containing clipart&#10;&#10;Description automatically generated">
+            <a:extLst>
+              <a:ext uri="{FF2B5EF4-FFF2-40B4-BE49-F238E27FC236}">
+                <a16:creationId xmlns:a16="http://schemas.microsoft.com/office/drawing/2014/main" id="{B02DC518-CE66-4BAE-B637-6CF1ECE02EE6}"/>
+              </a:ext>
+            </a:extLst>
+          </p:cNvPr>
+          <p:cNvPicPr>
+            <a:picLocks noChangeAspect="1"/>
+          </p:cNvPicPr>
+          <p:nvPr/>
+        </p:nvPicPr>
+        <p:blipFill>
+          <a:blip r:embed="rId3"/>
+          <a:stretch>
+            <a:fillRect/>
+          </a:stretch>
+        </p:blipFill>
+        <p:spPr>
+          <a:xfrm>
+            <a:off x="1633270" y="2660930"/>
+            <a:ext cx="1657581" cy="1657581"/>
+          </a:xfrm>
+          <a:prstGeom prst="rect">
+            <a:avLst/>
+          </a:prstGeom>
+        </p:spPr>
+      </p:pic>
     </p:spTree>
     <p:extLst>
       <p:ext uri="{BB962C8B-B14F-4D97-AF65-F5344CB8AC3E}">
@@ -3464,10 +3670,22 @@
           <a:p>
             <a:pPr algn="ctr"/>
             <a:r>
-              <a:rPr lang="en-US" b="1" dirty="0"/>
+              <a:rPr lang="en-US" b="1" i="1" dirty="0">
+                <a:solidFill>
+                  <a:schemeClr val="accent2">
+                    <a:lumMod val="75000"/>
+                  </a:schemeClr>
+                </a:solidFill>
+              </a:rPr>
               <a:t>Outlier Detection</a:t>
             </a:r>
-            <a:endParaRPr lang="en-US" dirty="0"/>
+            <a:endParaRPr lang="en-US" i="1" dirty="0">
+              <a:solidFill>
+                <a:schemeClr val="accent2">
+                  <a:lumMod val="75000"/>
+                </a:schemeClr>
+              </a:solidFill>
+            </a:endParaRPr>
           </a:p>
         </p:txBody>
       </p:sp>
@@ -3499,19 +3717,13 @@
           <a:p>
             <a:r>
               <a:rPr lang="en-US" dirty="0"/>
-              <a:t>We don't remove any outlier </a:t>
+              <a:t>We don't remove any outliers though we can see some.</a:t>
             </a:r>
           </a:p>
           <a:p>
             <a:r>
               <a:rPr lang="en-US" dirty="0"/>
-              <a:t>Reason:</a:t>
-            </a:r>
-          </a:p>
-          <a:p>
-            <a:r>
-              <a:rPr lang="en-US" dirty="0"/>
-              <a:t>This dataset is not an experimental dataset but a research question dataset based on each country, not a single person.</a:t>
+              <a:t>This dataset is not an experimental dataset, we don’t have to remove those ‘outliers’, there is just no mismeasurement or something like that.</a:t>
             </a:r>
           </a:p>
         </p:txBody>
@@ -3629,7 +3841,13 @@
           <a:p>
             <a:pPr algn="ctr"/>
             <a:r>
-              <a:rPr lang="en-US" b="1" dirty="0"/>
+              <a:rPr lang="en-US" b="1" i="1" dirty="0">
+                <a:solidFill>
+                  <a:schemeClr val="accent2">
+                    <a:lumMod val="75000"/>
+                  </a:schemeClr>
+                </a:solidFill>
+              </a:rPr>
               <a:t>Modeling</a:t>
             </a:r>
           </a:p>
@@ -3659,8 +3877,8 @@
         </p:blipFill>
         <p:spPr>
           <a:xfrm>
-            <a:off x="913156" y="1351805"/>
-            <a:ext cx="10365687" cy="4351338"/>
+            <a:off x="1464816" y="1351805"/>
+            <a:ext cx="8993079" cy="3451014"/>
           </a:xfrm>
         </p:spPr>
       </p:pic>
@@ -3678,8 +3896,8 @@
         </p:nvSpPr>
         <p:spPr>
           <a:xfrm>
-            <a:off x="1111348" y="5703143"/>
-            <a:ext cx="9650437" cy="830997"/>
+            <a:off x="1437978" y="5789499"/>
+            <a:ext cx="5229153" cy="369332"/>
           </a:xfrm>
           <a:prstGeom prst="rect">
             <a:avLst/>
@@ -3693,10 +3911,44 @@
           <a:lstStyle/>
           <a:p>
             <a:r>
-              <a:rPr lang="en-US" sz="2400" dirty="0"/>
-              <a:t>Motivates: Because ”happy sad” column is binary so it is better to use logistic regression.</a:t>
-            </a:r>
-            <a:endParaRPr lang="en-US" dirty="0"/>
+              <a:rPr lang="en-US" dirty="0"/>
+              <a:t>‘happy sad’ is binary, so we use logistic regression</a:t>
+            </a:r>
+          </a:p>
+        </p:txBody>
+      </p:sp>
+      <p:sp>
+        <p:nvSpPr>
+          <p:cNvPr id="3" name="TextBox 2">
+            <a:extLst>
+              <a:ext uri="{FF2B5EF4-FFF2-40B4-BE49-F238E27FC236}">
+                <a16:creationId xmlns:a16="http://schemas.microsoft.com/office/drawing/2014/main" id="{749A0B8E-A50F-4337-8D82-855BCD7AE17F}"/>
+              </a:ext>
+            </a:extLst>
+          </p:cNvPr>
+          <p:cNvSpPr txBox="1"/>
+          <p:nvPr/>
+        </p:nvSpPr>
+        <p:spPr>
+          <a:xfrm>
+            <a:off x="1440027" y="5068315"/>
+            <a:ext cx="8993078" cy="369332"/>
+          </a:xfrm>
+          <a:prstGeom prst="rect">
+            <a:avLst/>
+          </a:prstGeom>
+          <a:noFill/>
+        </p:spPr>
+        <p:txBody>
+          <a:bodyPr wrap="square" rtlCol="0">
+            <a:spAutoFit/>
+          </a:bodyPr>
+          <a:lstStyle/>
+          <a:p>
+            <a:r>
+              <a:rPr lang="en-US" dirty="0"/>
+              <a:t>* Independent variables may not include those two regions we talked about</a:t>
+            </a:r>
           </a:p>
         </p:txBody>
       </p:sp>
@@ -3753,10 +4005,22 @@
           <a:p>
             <a:pPr algn="ctr"/>
             <a:r>
-              <a:rPr lang="en-US" b="1" dirty="0"/>
+              <a:rPr lang="en-US" b="1" i="1" dirty="0">
+                <a:solidFill>
+                  <a:schemeClr val="accent2">
+                    <a:lumMod val="75000"/>
+                  </a:schemeClr>
+                </a:solidFill>
+              </a:rPr>
               <a:t>Modeling</a:t>
             </a:r>
-            <a:endParaRPr lang="en-US" dirty="0"/>
+            <a:endParaRPr lang="en-US" i="1" dirty="0">
+              <a:solidFill>
+                <a:schemeClr val="accent2">
+                  <a:lumMod val="75000"/>
+                </a:schemeClr>
+              </a:solidFill>
+            </a:endParaRPr>
           </a:p>
         </p:txBody>
       </p:sp>
@@ -3788,15 +4052,7 @@
           <a:p>
             <a:r>
               <a:rPr lang="en-US" dirty="0"/>
-              <a:t>We split the </a:t>
-            </a:r>
-            <a:r>
-              <a:rPr lang="en-US" dirty="0" err="1"/>
-              <a:t>dataFrame</a:t>
-            </a:r>
-            <a:r>
-              <a:rPr lang="en-US" dirty="0"/>
-              <a:t> into X as independent variables and y as dependent variable.</a:t>
+              <a:t>We split the data frame into X as independent variables and y as dependent variable.</a:t>
             </a:r>
           </a:p>
           <a:p>
@@ -3937,10 +4193,22 @@
           <a:p>
             <a:pPr algn="ctr"/>
             <a:r>
-              <a:rPr lang="en-US" b="1" dirty="0"/>
+              <a:rPr lang="en-US" b="1" i="1" dirty="0">
+                <a:solidFill>
+                  <a:schemeClr val="accent2">
+                    <a:lumMod val="75000"/>
+                  </a:schemeClr>
+                </a:solidFill>
+              </a:rPr>
               <a:t>Modeling</a:t>
             </a:r>
-            <a:endParaRPr lang="en-US" dirty="0"/>
+            <a:endParaRPr lang="en-US" i="1" dirty="0">
+              <a:solidFill>
+                <a:schemeClr val="accent2">
+                  <a:lumMod val="75000"/>
+                </a:schemeClr>
+              </a:solidFill>
+            </a:endParaRPr>
           </a:p>
         </p:txBody>
       </p:sp>
@@ -4026,8 +4294,8 @@
         </p:blipFill>
         <p:spPr>
           <a:xfrm>
-            <a:off x="2506134" y="3968750"/>
-            <a:ext cx="6993466" cy="2836237"/>
+            <a:off x="1873249" y="3968750"/>
+            <a:ext cx="8921997" cy="2836237"/>
           </a:xfrm>
           <a:prstGeom prst="rect">
             <a:avLst/>
@@ -4087,10 +4355,22 @@
           <a:p>
             <a:pPr algn="ctr"/>
             <a:r>
-              <a:rPr lang="en-US" b="1" dirty="0"/>
+              <a:rPr lang="en-US" b="1" i="1" dirty="0">
+                <a:solidFill>
+                  <a:schemeClr val="accent2">
+                    <a:lumMod val="75000"/>
+                  </a:schemeClr>
+                </a:solidFill>
+              </a:rPr>
               <a:t>Modeling</a:t>
             </a:r>
-            <a:endParaRPr lang="en-US" dirty="0"/>
+            <a:endParaRPr lang="en-US" i="1" dirty="0">
+              <a:solidFill>
+                <a:schemeClr val="accent2">
+                  <a:lumMod val="75000"/>
+                </a:schemeClr>
+              </a:solidFill>
+            </a:endParaRPr>
           </a:p>
         </p:txBody>
       </p:sp>
@@ -4177,10 +4457,22 @@
           <a:p>
             <a:pPr algn="ctr"/>
             <a:r>
-              <a:rPr lang="en-US" b="1" dirty="0"/>
+              <a:rPr lang="en-US" b="1" i="1" dirty="0">
+                <a:solidFill>
+                  <a:schemeClr val="accent2">
+                    <a:lumMod val="75000"/>
+                  </a:schemeClr>
+                </a:solidFill>
+              </a:rPr>
               <a:t>Conclusion</a:t>
             </a:r>
-            <a:endParaRPr lang="en-US" dirty="0"/>
+            <a:endParaRPr lang="en-US" i="1" dirty="0">
+              <a:solidFill>
+                <a:schemeClr val="accent2">
+                  <a:lumMod val="75000"/>
+                </a:schemeClr>
+              </a:solidFill>
+            </a:endParaRPr>
           </a:p>
         </p:txBody>
       </p:sp>
@@ -4209,14 +4501,11 @@
           <a:p>
             <a:r>
               <a:rPr lang="en-US" dirty="0"/>
-              <a:t>From the coefficients of the final model, we can see that all other variables are not that different in affecting one's 'happiness'. They all have the similar coefficient values around 55 to 60, which means they are all at the similar importance deciding whether people from a country are happy or not. 'Generosity' is slightly more important.</a:t>
-            </a:r>
-          </a:p>
-          <a:p>
-            <a:r>
-              <a:rPr lang="en-US" dirty="0"/>
-              <a:t>This analysis also shows that people from 'Sub-Saharan Africa' and 'Southern Asian' are the Regions with the most people unhappy. Based on our research, maybe they can be more generous to be happy.</a:t>
-            </a:r>
+              <a:t>From the coefficients of the final model, Our conclusion is that Region has a huge effect on people’s happiness even though they have the same Income, health, family situations.  However, we cannot tell in all other factors which factor is more important, because these factors are transferred to numerical using different methods, we are unsure about how they are measured.</a:t>
+            </a:r>
+          </a:p>
+          <a:p>
+            <a:endParaRPr lang="en-US" dirty="0"/>
           </a:p>
           <a:p>
             <a:r>
@@ -4229,7 +4518,7 @@
             </a:r>
             <a:r>
               <a:rPr lang="en-US" dirty="0"/>
-              <a:t>', it is a relatively good model which is tested can precisely predict a country's 'happy or not'.</a:t>
+              <a:t>', it is a relatively good model which is tested can precisely predict a country's 'happy or not’.  With enough data for a person or people from a country, we can predict if he or she is happy or not since it is a accurate model.</a:t>
             </a:r>
           </a:p>
           <a:p>
@@ -4241,6 +4530,304 @@
     <p:extLst>
       <p:ext uri="{BB962C8B-B14F-4D97-AF65-F5344CB8AC3E}">
         <p14:creationId xmlns:p14="http://schemas.microsoft.com/office/powerpoint/2010/main" val="1343690570"/>
+      </p:ext>
+    </p:extLst>
+  </p:cSld>
+  <p:clrMapOvr>
+    <a:masterClrMapping/>
+  </p:clrMapOvr>
+</p:sld>
+</file>
+
+<file path=ppt/slides/slide16.xml><?xml version="1.0" encoding="utf-8"?>
+<p:sld xmlns:a="http://schemas.openxmlformats.org/drawingml/2006/main" xmlns:r="http://schemas.openxmlformats.org/officeDocument/2006/relationships" xmlns:p="http://schemas.openxmlformats.org/presentationml/2006/main">
+  <p:cSld>
+    <p:spTree>
+      <p:nvGrpSpPr>
+        <p:cNvPr id="1" name=""/>
+        <p:cNvGrpSpPr/>
+        <p:nvPr/>
+      </p:nvGrpSpPr>
+      <p:grpSpPr>
+        <a:xfrm>
+          <a:off x="0" y="0"/>
+          <a:ext cx="0" cy="0"/>
+          <a:chOff x="0" y="0"/>
+          <a:chExt cx="0" cy="0"/>
+        </a:xfrm>
+      </p:grpSpPr>
+      <p:sp>
+        <p:nvSpPr>
+          <p:cNvPr id="3" name="TextBox 2">
+            <a:extLst>
+              <a:ext uri="{FF2B5EF4-FFF2-40B4-BE49-F238E27FC236}">
+                <a16:creationId xmlns:a16="http://schemas.microsoft.com/office/drawing/2014/main" id="{3E93983B-5A2D-4135-BFD9-6F2FE4E177AC}"/>
+              </a:ext>
+            </a:extLst>
+          </p:cNvPr>
+          <p:cNvSpPr txBox="1"/>
+          <p:nvPr/>
+        </p:nvSpPr>
+        <p:spPr>
+          <a:xfrm>
+            <a:off x="2228294" y="1606858"/>
+            <a:ext cx="7892249" cy="1754326"/>
+          </a:xfrm>
+          <a:prstGeom prst="rect">
+            <a:avLst/>
+          </a:prstGeom>
+          <a:noFill/>
+        </p:spPr>
+        <p:txBody>
+          <a:bodyPr wrap="square" rtlCol="0">
+            <a:spAutoFit/>
+          </a:bodyPr>
+          <a:lstStyle/>
+          <a:p>
+            <a:r>
+              <a:rPr lang="en-US" sz="2800" i="1" dirty="0">
+                <a:solidFill>
+                  <a:srgbClr val="FF0000"/>
+                </a:solidFill>
+              </a:rPr>
+              <a:t>The aim of research is just to predict, however, your personal happiness is in your control, not based on all these measurement or just simply a model.</a:t>
+            </a:r>
+          </a:p>
+          <a:p>
+            <a:endParaRPr lang="en-US" sz="2400" dirty="0"/>
+          </a:p>
+        </p:txBody>
+      </p:sp>
+      <p:sp>
+        <p:nvSpPr>
+          <p:cNvPr id="4" name="TextBox 3">
+            <a:extLst>
+              <a:ext uri="{FF2B5EF4-FFF2-40B4-BE49-F238E27FC236}">
+                <a16:creationId xmlns:a16="http://schemas.microsoft.com/office/drawing/2014/main" id="{B84B92F3-3073-4C4F-A809-841648CAB4E3}"/>
+              </a:ext>
+            </a:extLst>
+          </p:cNvPr>
+          <p:cNvSpPr txBox="1"/>
+          <p:nvPr/>
+        </p:nvSpPr>
+        <p:spPr>
+          <a:xfrm>
+            <a:off x="1988598" y="4000259"/>
+            <a:ext cx="8522563" cy="1446550"/>
+          </a:xfrm>
+          <a:prstGeom prst="rect">
+            <a:avLst/>
+          </a:prstGeom>
+          <a:noFill/>
+        </p:spPr>
+        <p:txBody>
+          <a:bodyPr wrap="square" rtlCol="0">
+            <a:spAutoFit/>
+          </a:bodyPr>
+          <a:lstStyle/>
+          <a:p>
+            <a:r>
+              <a:rPr lang="en-US" sz="4400" b="1" dirty="0">
+                <a:solidFill>
+                  <a:srgbClr val="FF0000"/>
+                </a:solidFill>
+              </a:rPr>
+              <a:t>Maybe you own nothing but happy,</a:t>
+            </a:r>
+          </a:p>
+          <a:p>
+            <a:r>
+              <a:rPr lang="en-US" sz="4400" b="1" dirty="0">
+                <a:solidFill>
+                  <a:srgbClr val="0070C0"/>
+                </a:solidFill>
+              </a:rPr>
+              <a:t>And……….</a:t>
+            </a:r>
+          </a:p>
+        </p:txBody>
+      </p:sp>
+    </p:spTree>
+    <p:extLst>
+      <p:ext uri="{BB962C8B-B14F-4D97-AF65-F5344CB8AC3E}">
+        <p14:creationId xmlns:p14="http://schemas.microsoft.com/office/powerpoint/2010/main" val="3119427943"/>
+      </p:ext>
+    </p:extLst>
+  </p:cSld>
+  <p:clrMapOvr>
+    <a:masterClrMapping/>
+  </p:clrMapOvr>
+</p:sld>
+</file>
+
+<file path=ppt/slides/slide17.xml><?xml version="1.0" encoding="utf-8"?>
+<p:sld xmlns:a="http://schemas.openxmlformats.org/drawingml/2006/main" xmlns:r="http://schemas.openxmlformats.org/officeDocument/2006/relationships" xmlns:p="http://schemas.openxmlformats.org/presentationml/2006/main">
+  <p:cSld>
+    <p:spTree>
+      <p:nvGrpSpPr>
+        <p:cNvPr id="1" name=""/>
+        <p:cNvGrpSpPr/>
+        <p:nvPr/>
+      </p:nvGrpSpPr>
+      <p:grpSpPr>
+        <a:xfrm>
+          <a:off x="0" y="0"/>
+          <a:ext cx="0" cy="0"/>
+          <a:chOff x="0" y="0"/>
+          <a:chExt cx="0" cy="0"/>
+        </a:xfrm>
+      </p:grpSpPr>
+      <p:sp>
+        <p:nvSpPr>
+          <p:cNvPr id="2" name="TextBox 1">
+            <a:extLst>
+              <a:ext uri="{FF2B5EF4-FFF2-40B4-BE49-F238E27FC236}">
+                <a16:creationId xmlns:a16="http://schemas.microsoft.com/office/drawing/2014/main" id="{501F8B39-B445-4C90-B1CD-6E409DA96E43}"/>
+              </a:ext>
+            </a:extLst>
+          </p:cNvPr>
+          <p:cNvSpPr txBox="1"/>
+          <p:nvPr/>
+        </p:nvSpPr>
+        <p:spPr>
+          <a:xfrm>
+            <a:off x="1945689" y="683552"/>
+            <a:ext cx="8300622" cy="769441"/>
+          </a:xfrm>
+          <a:prstGeom prst="rect">
+            <a:avLst/>
+          </a:prstGeom>
+          <a:noFill/>
+        </p:spPr>
+        <p:txBody>
+          <a:bodyPr wrap="square" rtlCol="0">
+            <a:spAutoFit/>
+          </a:bodyPr>
+          <a:lstStyle/>
+          <a:p>
+            <a:r>
+              <a:rPr lang="en-US" sz="4400" b="1" dirty="0">
+                <a:solidFill>
+                  <a:srgbClr val="FF0000"/>
+                </a:solidFill>
+              </a:rPr>
+              <a:t>Maybe you own everything but …</a:t>
+            </a:r>
+          </a:p>
+        </p:txBody>
+      </p:sp>
+      <p:pic>
+        <p:nvPicPr>
+          <p:cNvPr id="4" name="Picture 3" descr="A person looking at the camera&#10;&#10;Description automatically generated">
+            <a:extLst>
+              <a:ext uri="{FF2B5EF4-FFF2-40B4-BE49-F238E27FC236}">
+                <a16:creationId xmlns:a16="http://schemas.microsoft.com/office/drawing/2014/main" id="{02BF9A02-FF45-4B6C-9FAC-E1205CC2D7CE}"/>
+              </a:ext>
+            </a:extLst>
+          </p:cNvPr>
+          <p:cNvPicPr>
+            <a:picLocks noChangeAspect="1"/>
+          </p:cNvPicPr>
+          <p:nvPr/>
+        </p:nvPicPr>
+        <p:blipFill>
+          <a:blip r:embed="rId2"/>
+          <a:stretch>
+            <a:fillRect/>
+          </a:stretch>
+        </p:blipFill>
+        <p:spPr>
+          <a:xfrm>
+            <a:off x="3582937" y="1449451"/>
+            <a:ext cx="4590695" cy="3103772"/>
+          </a:xfrm>
+          <a:prstGeom prst="rect">
+            <a:avLst/>
+          </a:prstGeom>
+        </p:spPr>
+      </p:pic>
+      <p:sp>
+        <p:nvSpPr>
+          <p:cNvPr id="5" name="TextBox 4">
+            <a:extLst>
+              <a:ext uri="{FF2B5EF4-FFF2-40B4-BE49-F238E27FC236}">
+                <a16:creationId xmlns:a16="http://schemas.microsoft.com/office/drawing/2014/main" id="{3A4B74C1-73E3-419E-8F9F-863D51926CB5}"/>
+              </a:ext>
+            </a:extLst>
+          </p:cNvPr>
+          <p:cNvSpPr txBox="1"/>
+          <p:nvPr/>
+        </p:nvSpPr>
+        <p:spPr>
+          <a:xfrm>
+            <a:off x="4299838" y="5353658"/>
+            <a:ext cx="3156891" cy="523220"/>
+          </a:xfrm>
+          <a:prstGeom prst="rect">
+            <a:avLst/>
+          </a:prstGeom>
+          <a:noFill/>
+        </p:spPr>
+        <p:txBody>
+          <a:bodyPr wrap="square" rtlCol="0">
+            <a:spAutoFit/>
+          </a:bodyPr>
+          <a:lstStyle/>
+          <a:p>
+            <a:r>
+              <a:rPr lang="en-US" sz="2800" dirty="0">
+                <a:solidFill>
+                  <a:schemeClr val="accent2">
+                    <a:lumMod val="60000"/>
+                    <a:lumOff val="40000"/>
+                  </a:schemeClr>
+                </a:solidFill>
+                <a:latin typeface="Gill Sans Nova Cond Ultra Bold" panose="020B0B04020104020203" pitchFamily="34" charset="0"/>
+              </a:rPr>
+              <a:t>Wish you all happy!</a:t>
+            </a:r>
+          </a:p>
+        </p:txBody>
+      </p:sp>
+      <p:sp>
+        <p:nvSpPr>
+          <p:cNvPr id="6" name="TextBox 5">
+            <a:extLst>
+              <a:ext uri="{FF2B5EF4-FFF2-40B4-BE49-F238E27FC236}">
+                <a16:creationId xmlns:a16="http://schemas.microsoft.com/office/drawing/2014/main" id="{2F3532CE-00A9-4D72-9517-E11ACE561978}"/>
+              </a:ext>
+            </a:extLst>
+          </p:cNvPr>
+          <p:cNvSpPr txBox="1"/>
+          <p:nvPr/>
+        </p:nvSpPr>
+        <p:spPr>
+          <a:xfrm>
+            <a:off x="3582937" y="4553223"/>
+            <a:ext cx="4590695" cy="584775"/>
+          </a:xfrm>
+          <a:prstGeom prst="rect">
+            <a:avLst/>
+          </a:prstGeom>
+          <a:noFill/>
+        </p:spPr>
+        <p:txBody>
+          <a:bodyPr wrap="square" rtlCol="0">
+            <a:spAutoFit/>
+          </a:bodyPr>
+          <a:lstStyle/>
+          <a:p>
+            <a:r>
+              <a:rPr lang="en-US" sz="800" dirty="0"/>
+              <a:t>Easley, J., &amp; Senior White House. (2017, February 21). Keep It Up Liberals, Donald Trump Says Your Activism Is Making Him Sad. Retrieved June 3, 2019, from https://www.politicususa.com/2017/02/21/liberals-donald-trump-activism-gop-town-halls-making-sad.html</a:t>
+            </a:r>
+          </a:p>
+        </p:txBody>
+      </p:sp>
+    </p:spTree>
+    <p:extLst>
+      <p:ext uri="{BB962C8B-B14F-4D97-AF65-F5344CB8AC3E}">
+        <p14:creationId xmlns:p14="http://schemas.microsoft.com/office/powerpoint/2010/main" val="1477003744"/>
       </p:ext>
     </p:extLst>
   </p:cSld>
@@ -4290,7 +4877,13 @@
           <a:p>
             <a:pPr algn="ctr"/>
             <a:r>
-              <a:rPr lang="en-US" b="1" dirty="0"/>
+              <a:rPr lang="en-US" b="1" i="1" dirty="0">
+                <a:solidFill>
+                  <a:schemeClr val="accent2">
+                    <a:lumMod val="75000"/>
+                  </a:schemeClr>
+                </a:solidFill>
+              </a:rPr>
               <a:t>Dataset and motivation</a:t>
             </a:r>
           </a:p>
@@ -4327,13 +4920,13 @@
           <a:p>
             <a:r>
               <a:rPr lang="en-US" sz="2400" dirty="0"/>
-              <a:t>What is the future happiness level in our world?</a:t>
+              <a:t>What is the relationship between region of living and happiness level of people?</a:t>
             </a:r>
           </a:p>
           <a:p>
             <a:r>
               <a:rPr lang="en-US" sz="2400" dirty="0"/>
-              <a:t>Can we create a model of whether people in different region are happy or sad?</a:t>
+              <a:t>Can we predict whether people are happy or sad given their region of living and other factors like income and family?</a:t>
             </a:r>
           </a:p>
           <a:p>
@@ -4342,17 +4935,11 @@
             </a:pPr>
             <a:r>
               <a:rPr lang="en-US" sz="2400" dirty="0"/>
-              <a:t> All the question will solved by a logistic regression model.</a:t>
-            </a:r>
-          </a:p>
-          <a:p>
-            <a:pPr marL="0" indent="0">
-              <a:buNone/>
-            </a:pPr>
-            <a:r>
-              <a:rPr lang="en-US" sz="2400" dirty="0"/>
-              <a:t>    The input is the raw data. The output is the logistic regression model. It have the prediction data, the accuracy score, the coefficient, and the predict probability.</a:t>
-            </a:r>
+              <a:t> Both question will be solved by a logistic regression model.</a:t>
+            </a:r>
+          </a:p>
+          <a:p>
+            <a:endParaRPr lang="en-US" dirty="0"/>
           </a:p>
           <a:p>
             <a:r>
@@ -4365,7 +4952,7 @@
               <a:rPr lang="en-US" sz="2400" dirty="0">
                 <a:hlinkClick r:id="rId2"/>
               </a:rPr>
-              <a:t>https://www.kaggle.com/unsdsn/world-happiness/downloads/world-happiness-report.zip/2#2016.csv</a:t>
+              <a:t>https://www.kaggle.com/unsdsn/world-happiness/downloads/world-happiness-report.zip</a:t>
             </a:r>
             <a:r>
               <a:rPr lang="en-US" sz="2400" dirty="0"/>
@@ -4429,10 +5016,22 @@
           <a:p>
             <a:pPr algn="ctr"/>
             <a:r>
-              <a:rPr lang="en-US" b="1" dirty="0"/>
+              <a:rPr lang="en-US" b="1" i="1" dirty="0">
+                <a:solidFill>
+                  <a:schemeClr val="accent2">
+                    <a:lumMod val="75000"/>
+                  </a:schemeClr>
+                </a:solidFill>
+              </a:rPr>
               <a:t>Data munging and statistical summary</a:t>
             </a:r>
-            <a:endParaRPr lang="en-US" dirty="0"/>
+            <a:endParaRPr lang="en-US" i="1" dirty="0">
+              <a:solidFill>
+                <a:schemeClr val="accent2">
+                  <a:lumMod val="75000"/>
+                </a:schemeClr>
+              </a:solidFill>
+            </a:endParaRPr>
           </a:p>
         </p:txBody>
       </p:sp>
@@ -4459,7 +5058,7 @@
           <a:p>
             <a:r>
               <a:rPr lang="en-US" dirty="0"/>
-              <a:t>Drop some of the columns which will not be used for</a:t>
+              <a:t>Drop some of the columns which will not be used</a:t>
             </a:r>
           </a:p>
           <a:p>
@@ -4471,43 +5070,19 @@
           <a:p>
             <a:r>
               <a:rPr lang="en-US" dirty="0"/>
-              <a:t>Concatenate all </a:t>
-            </a:r>
-            <a:r>
-              <a:rPr lang="en-US" dirty="0" err="1"/>
-              <a:t>dataframes</a:t>
-            </a:r>
+              <a:t>Concatenate all data frames together into one final data frame named 'happy’</a:t>
+            </a:r>
+          </a:p>
+          <a:p>
             <a:r>
               <a:rPr lang="en-US" dirty="0"/>
-              <a:t> together into one final </a:t>
-            </a:r>
-            <a:r>
-              <a:rPr lang="en-US" dirty="0" err="1"/>
-              <a:t>dataframe</a:t>
-            </a:r>
+              <a:t>Fill the missing Region values by using the same Regions for country from the data frame happy_2015 and happy_2016</a:t>
+            </a:r>
+          </a:p>
+          <a:p>
             <a:r>
               <a:rPr lang="en-US" dirty="0"/>
-              <a:t> named 'happy’</a:t>
-            </a:r>
-          </a:p>
-          <a:p>
-            <a:r>
-              <a:rPr lang="en-US" dirty="0"/>
-              <a:t>Fill the missing Region values by using the same Regions for country from the </a:t>
-            </a:r>
-            <a:r>
-              <a:rPr lang="en-US" dirty="0" err="1"/>
-              <a:t>dataframe</a:t>
-            </a:r>
-            <a:r>
-              <a:rPr lang="en-US" dirty="0"/>
-              <a:t> happy_2015 and happy_2016</a:t>
-            </a:r>
-          </a:p>
-          <a:p>
-            <a:r>
-              <a:rPr lang="en-US" dirty="0"/>
-              <a:t>Add the region the rest two </a:t>
+              <a:t>Add the region the rest two ‘</a:t>
             </a:r>
             <a:r>
               <a:rPr lang="en-US" dirty="0" err="1"/>
@@ -4515,13 +5090,13 @@
             </a:r>
             <a:r>
               <a:rPr lang="en-US" dirty="0"/>
-              <a:t> rows</a:t>
+              <a:t>’ rows</a:t>
             </a:r>
           </a:p>
           <a:p>
             <a:r>
               <a:rPr lang="en-US" dirty="0"/>
-              <a:t>add a new column called "happy sad"</a:t>
+              <a:t>add a new column called "happy sad“(which is binary) to show 1(happy) if ‘Happiness Score’ is above average and 0 for else.</a:t>
             </a:r>
           </a:p>
           <a:p>
@@ -4642,10 +5217,22 @@
           <a:p>
             <a:pPr algn="ctr"/>
             <a:r>
-              <a:rPr lang="en-US" b="1" dirty="0"/>
+              <a:rPr lang="en-US" b="1" i="1" dirty="0">
+                <a:solidFill>
+                  <a:schemeClr val="accent2">
+                    <a:lumMod val="75000"/>
+                  </a:schemeClr>
+                </a:solidFill>
+              </a:rPr>
               <a:t>statistical summary</a:t>
             </a:r>
-            <a:endParaRPr lang="en-US" dirty="0"/>
+            <a:endParaRPr lang="en-US" i="1" dirty="0">
+              <a:solidFill>
+                <a:schemeClr val="accent2">
+                  <a:lumMod val="75000"/>
+                </a:schemeClr>
+              </a:solidFill>
+            </a:endParaRPr>
           </a:p>
         </p:txBody>
       </p:sp>
@@ -4732,10 +5319,22 @@
           <a:p>
             <a:pPr algn="ctr"/>
             <a:r>
-              <a:rPr lang="en-US" b="1" dirty="0"/>
+              <a:rPr lang="en-US" b="1" i="1" dirty="0">
+                <a:solidFill>
+                  <a:schemeClr val="accent2">
+                    <a:lumMod val="75000"/>
+                  </a:schemeClr>
+                </a:solidFill>
+              </a:rPr>
               <a:t>Statistical Summary</a:t>
             </a:r>
-            <a:endParaRPr lang="en-US" dirty="0"/>
+            <a:endParaRPr lang="en-US" i="1" dirty="0">
+              <a:solidFill>
+                <a:schemeClr val="accent2">
+                  <a:lumMod val="75000"/>
+                </a:schemeClr>
+              </a:solidFill>
+            </a:endParaRPr>
           </a:p>
         </p:txBody>
       </p:sp>
@@ -4762,7 +5361,13 @@
           <a:p>
             <a:r>
               <a:rPr lang="en-US" dirty="0"/>
-              <a:t>From the summary, we can see that all of our data are numerical, so we could find the mean, standard deviation, min value, 25 percent quantile, 50 percent quantile, 75 percent quantile, and max value. We could see the mean score of "Happiness Score". We use it as a guide to create the "happy sad" column. There are duplicate value for "Region" because we are using 3 years of data for all countries. Thus we consider to keep to duplicate in order to create the model.</a:t>
+              <a:t>From the summary, we can see that almost all of our data columns are numerical, so we can find the mean, standard deviation, min value, 25 percent quantile, 50 percent quantile, 75 percent quantile, and max value. We can see the mean score of "Happiness Score". We use it as a guide to create the "happy sad" column. </a:t>
+            </a:r>
+          </a:p>
+          <a:p>
+            <a:r>
+              <a:rPr lang="en-US" dirty="0"/>
+              <a:t>We are unable to tell anything interesting using this summary because these values are transferred based on some calculation that we don’t know.  Such as family situation, it is just an indicator transferred to numerical, however if you know the data source and their calculations, these numbers could be useful.</a:t>
             </a:r>
           </a:p>
         </p:txBody>
@@ -4820,10 +5425,22 @@
           <a:p>
             <a:pPr algn="ctr"/>
             <a:r>
-              <a:rPr lang="en-US" b="1" dirty="0"/>
+              <a:rPr lang="en-US" b="1" i="1" dirty="0">
+                <a:solidFill>
+                  <a:schemeClr val="accent2">
+                    <a:lumMod val="75000"/>
+                  </a:schemeClr>
+                </a:solidFill>
+              </a:rPr>
               <a:t>Main visualization</a:t>
             </a:r>
-            <a:endParaRPr lang="en-US" dirty="0"/>
+            <a:endParaRPr lang="en-US" i="1" dirty="0">
+              <a:solidFill>
+                <a:schemeClr val="accent2">
+                  <a:lumMod val="75000"/>
+                </a:schemeClr>
+              </a:solidFill>
+            </a:endParaRPr>
           </a:p>
         </p:txBody>
       </p:sp>
@@ -4939,10 +5556,22 @@
           <a:p>
             <a:pPr algn="ctr"/>
             <a:r>
-              <a:rPr lang="en-US" b="1" dirty="0"/>
+              <a:rPr lang="en-US" b="1" i="1" dirty="0">
+                <a:solidFill>
+                  <a:schemeClr val="accent2">
+                    <a:lumMod val="75000"/>
+                  </a:schemeClr>
+                </a:solidFill>
+              </a:rPr>
               <a:t>Main visualization</a:t>
             </a:r>
-            <a:endParaRPr lang="en-US" dirty="0"/>
+            <a:endParaRPr lang="en-US" i="1" dirty="0">
+              <a:solidFill>
+                <a:schemeClr val="accent2">
+                  <a:lumMod val="75000"/>
+                </a:schemeClr>
+              </a:solidFill>
+            </a:endParaRPr>
           </a:p>
         </p:txBody>
       </p:sp>
@@ -5029,10 +5658,22 @@
           <a:p>
             <a:pPr algn="ctr"/>
             <a:r>
-              <a:rPr lang="en-US" b="1" dirty="0"/>
+              <a:rPr lang="en-US" b="1" i="1" dirty="0">
+                <a:solidFill>
+                  <a:schemeClr val="accent2">
+                    <a:lumMod val="75000"/>
+                  </a:schemeClr>
+                </a:solidFill>
+              </a:rPr>
               <a:t>Main visualization</a:t>
             </a:r>
-            <a:endParaRPr lang="en-US" dirty="0"/>
+            <a:endParaRPr lang="en-US" i="1" dirty="0">
+              <a:solidFill>
+                <a:schemeClr val="accent2">
+                  <a:lumMod val="75000"/>
+                </a:schemeClr>
+              </a:solidFill>
+            </a:endParaRPr>
           </a:p>
         </p:txBody>
       </p:sp>

--- a/Final_presentation.pptx
+++ b/Final_presentation.pptx
@@ -6,11 +6,11 @@
   </p:sldMasterIdLst>
   <p:sldIdLst>
     <p:sldId id="256" r:id="rId2"/>
-    <p:sldId id="257" r:id="rId3"/>
-    <p:sldId id="258" r:id="rId4"/>
-    <p:sldId id="259" r:id="rId5"/>
-    <p:sldId id="260" r:id="rId6"/>
-    <p:sldId id="261" r:id="rId7"/>
+    <p:sldId id="273" r:id="rId3"/>
+    <p:sldId id="257" r:id="rId4"/>
+    <p:sldId id="258" r:id="rId5"/>
+    <p:sldId id="259" r:id="rId6"/>
+    <p:sldId id="260" r:id="rId7"/>
     <p:sldId id="262" r:id="rId8"/>
     <p:sldId id="263" r:id="rId9"/>
     <p:sldId id="266" r:id="rId10"/>
@@ -118,6 +118,11 @@
       </a:defRPr>
     </a:lvl9pPr>
   </p:defaultTextStyle>
+  <p:extLst>
+    <p:ext uri="{EFAFB233-063F-42B5-8137-9DF3F51BA10A}">
+      <p15:sldGuideLst xmlns:p15="http://schemas.microsoft.com/office/powerpoint/2012/main"/>
+    </p:ext>
+  </p:extLst>
 </p:presentation>
 </file>
 
@@ -268,7 +273,7 @@
           <a:p>
             <a:fld id="{0F53D97F-CD3B-5C44-917B-FFEAAAF77F8E}" type="datetimeFigureOut">
               <a:rPr lang="en-US" smtClean="0"/>
-              <a:t>6/2/19</a:t>
+              <a:t>6/5/19</a:t>
             </a:fld>
             <a:endParaRPr lang="en-US"/>
           </a:p>
@@ -466,7 +471,7 @@
           <a:p>
             <a:fld id="{0F53D97F-CD3B-5C44-917B-FFEAAAF77F8E}" type="datetimeFigureOut">
               <a:rPr lang="en-US" smtClean="0"/>
-              <a:t>6/2/19</a:t>
+              <a:t>6/5/19</a:t>
             </a:fld>
             <a:endParaRPr lang="en-US"/>
           </a:p>
@@ -674,7 +679,7 @@
           <a:p>
             <a:fld id="{0F53D97F-CD3B-5C44-917B-FFEAAAF77F8E}" type="datetimeFigureOut">
               <a:rPr lang="en-US" smtClean="0"/>
-              <a:t>6/2/19</a:t>
+              <a:t>6/5/19</a:t>
             </a:fld>
             <a:endParaRPr lang="en-US"/>
           </a:p>
@@ -872,7 +877,7 @@
           <a:p>
             <a:fld id="{0F53D97F-CD3B-5C44-917B-FFEAAAF77F8E}" type="datetimeFigureOut">
               <a:rPr lang="en-US" smtClean="0"/>
-              <a:t>6/2/19</a:t>
+              <a:t>6/5/19</a:t>
             </a:fld>
             <a:endParaRPr lang="en-US"/>
           </a:p>
@@ -1147,7 +1152,7 @@
           <a:p>
             <a:fld id="{0F53D97F-CD3B-5C44-917B-FFEAAAF77F8E}" type="datetimeFigureOut">
               <a:rPr lang="en-US" smtClean="0"/>
-              <a:t>6/2/19</a:t>
+              <a:t>6/5/19</a:t>
             </a:fld>
             <a:endParaRPr lang="en-US"/>
           </a:p>
@@ -1412,7 +1417,7 @@
           <a:p>
             <a:fld id="{0F53D97F-CD3B-5C44-917B-FFEAAAF77F8E}" type="datetimeFigureOut">
               <a:rPr lang="en-US" smtClean="0"/>
-              <a:t>6/2/19</a:t>
+              <a:t>6/5/19</a:t>
             </a:fld>
             <a:endParaRPr lang="en-US"/>
           </a:p>
@@ -1824,7 +1829,7 @@
           <a:p>
             <a:fld id="{0F53D97F-CD3B-5C44-917B-FFEAAAF77F8E}" type="datetimeFigureOut">
               <a:rPr lang="en-US" smtClean="0"/>
-              <a:t>6/2/19</a:t>
+              <a:t>6/5/19</a:t>
             </a:fld>
             <a:endParaRPr lang="en-US"/>
           </a:p>
@@ -1965,7 +1970,7 @@
           <a:p>
             <a:fld id="{0F53D97F-CD3B-5C44-917B-FFEAAAF77F8E}" type="datetimeFigureOut">
               <a:rPr lang="en-US" smtClean="0"/>
-              <a:t>6/2/19</a:t>
+              <a:t>6/5/19</a:t>
             </a:fld>
             <a:endParaRPr lang="en-US"/>
           </a:p>
@@ -2078,7 +2083,7 @@
           <a:p>
             <a:fld id="{0F53D97F-CD3B-5C44-917B-FFEAAAF77F8E}" type="datetimeFigureOut">
               <a:rPr lang="en-US" smtClean="0"/>
-              <a:t>6/2/19</a:t>
+              <a:t>6/5/19</a:t>
             </a:fld>
             <a:endParaRPr lang="en-US"/>
           </a:p>
@@ -2389,7 +2394,7 @@
           <a:p>
             <a:fld id="{0F53D97F-CD3B-5C44-917B-FFEAAAF77F8E}" type="datetimeFigureOut">
               <a:rPr lang="en-US" smtClean="0"/>
-              <a:t>6/2/19</a:t>
+              <a:t>6/5/19</a:t>
             </a:fld>
             <a:endParaRPr lang="en-US"/>
           </a:p>
@@ -2677,7 +2682,7 @@
           <a:p>
             <a:fld id="{0F53D97F-CD3B-5C44-917B-FFEAAAF77F8E}" type="datetimeFigureOut">
               <a:rPr lang="en-US" smtClean="0"/>
-              <a:t>6/2/19</a:t>
+              <a:t>6/5/19</a:t>
             </a:fld>
             <a:endParaRPr lang="en-US"/>
           </a:p>
@@ -2918,7 +2923,7 @@
           <a:p>
             <a:fld id="{0F53D97F-CD3B-5C44-917B-FFEAAAF77F8E}" type="datetimeFigureOut">
               <a:rPr lang="en-US" smtClean="0"/>
-              <a:t>6/2/19</a:t>
+              <a:t>6/5/19</a:t>
             </a:fld>
             <a:endParaRPr lang="en-US"/>
           </a:p>
@@ -3353,17 +3358,26 @@
         </p:nvSpPr>
         <p:spPr>
           <a:xfrm>
-            <a:off x="1524000" y="1122363"/>
+            <a:off x="1524000" y="1600664"/>
             <a:ext cx="9144000" cy="1170671"/>
           </a:xfrm>
         </p:spPr>
         <p:txBody>
-          <a:bodyPr/>
+          <a:bodyPr>
+            <a:normAutofit fontScale="90000"/>
+          </a:bodyPr>
           <a:lstStyle/>
           <a:p>
             <a:r>
               <a:rPr lang="en-US" dirty="0"/>
               <a:t>Project presentation</a:t>
+            </a:r>
+            <a:br>
+              <a:rPr lang="en-US" dirty="0"/>
+            </a:br>
+            <a:r>
+              <a:rPr lang="en-US" dirty="0"/>
+              <a:t>Happiness Analysis</a:t>
             </a:r>
           </a:p>
         </p:txBody>
@@ -4272,7 +4286,7 @@
           <p:cNvPr id="2" name="Title 1">
             <a:extLst>
               <a:ext uri="{FF2B5EF4-FFF2-40B4-BE49-F238E27FC236}">
-                <a16:creationId xmlns:a16="http://schemas.microsoft.com/office/drawing/2014/main" id="{C53A8609-8B6B-A947-A7C3-D5F5E3C088DD}"/>
+                <a16:creationId xmlns:a16="http://schemas.microsoft.com/office/drawing/2014/main" id="{45DED942-8BC5-D34C-A488-DA0E45E133CE}"/>
               </a:ext>
             </a:extLst>
           </p:cNvPr>
@@ -4283,101 +4297,122 @@
             <p:ph type="title"/>
           </p:nvPr>
         </p:nvSpPr>
-        <p:spPr/>
+        <p:spPr>
+          <a:xfrm>
+            <a:off x="838200" y="-1110815"/>
+            <a:ext cx="10515600" cy="2221630"/>
+          </a:xfrm>
+        </p:spPr>
         <p:txBody>
           <a:bodyPr/>
           <a:lstStyle/>
           <a:p>
             <a:pPr algn="ctr"/>
+            <a:br>
+              <a:rPr lang="en-US" dirty="0"/>
+            </a:br>
             <a:r>
               <a:rPr lang="en-US" b="1" dirty="0"/>
               <a:t>Dataset and motivation</a:t>
             </a:r>
-          </a:p>
-        </p:txBody>
-      </p:sp>
-      <p:sp>
-        <p:nvSpPr>
-          <p:cNvPr id="3" name="Content Placeholder 2">
-            <a:extLst>
-              <a:ext uri="{FF2B5EF4-FFF2-40B4-BE49-F238E27FC236}">
-                <a16:creationId xmlns:a16="http://schemas.microsoft.com/office/drawing/2014/main" id="{EF81D2A8-435D-5043-ABCC-E31656A25BCF}"/>
-              </a:ext>
-            </a:extLst>
-          </p:cNvPr>
-          <p:cNvSpPr>
-            <a:spLocks noGrp="1"/>
-          </p:cNvSpPr>
-          <p:nvPr>
-            <p:ph idx="1"/>
-          </p:nvPr>
-        </p:nvSpPr>
-        <p:spPr/>
-        <p:txBody>
-          <a:bodyPr>
-            <a:normAutofit/>
-          </a:bodyPr>
-          <a:lstStyle/>
-          <a:p>
-            <a:r>
-              <a:rPr lang="en-US" dirty="0"/>
-              <a:t>Question: </a:t>
-            </a:r>
-          </a:p>
-          <a:p>
-            <a:r>
-              <a:rPr lang="en-US" sz="2400" dirty="0"/>
-              <a:t>What is the future happiness level in our world?</a:t>
-            </a:r>
-          </a:p>
-          <a:p>
-            <a:r>
-              <a:rPr lang="en-US" sz="2400" dirty="0"/>
-              <a:t>Can we create a model of whether people in different region are happy or sad?</a:t>
-            </a:r>
-          </a:p>
-          <a:p>
-            <a:pPr marL="0" indent="0">
-              <a:buNone/>
-            </a:pPr>
-            <a:r>
-              <a:rPr lang="en-US" sz="2400" dirty="0"/>
-              <a:t> All the question will solved by a logistic regression model.</a:t>
-            </a:r>
-          </a:p>
-          <a:p>
-            <a:pPr marL="0" indent="0">
-              <a:buNone/>
-            </a:pPr>
-            <a:r>
-              <a:rPr lang="en-US" sz="2400" dirty="0"/>
-              <a:t>    The input is the raw data. The output is the logistic regression model. It have the prediction data, the accuracy score, the coefficient, and the predict probability.</a:t>
-            </a:r>
-          </a:p>
-          <a:p>
-            <a:r>
-              <a:rPr lang="en-US" dirty="0"/>
-              <a:t>Our dataset from:</a:t>
-            </a:r>
-          </a:p>
-          <a:p>
-            <a:r>
-              <a:rPr lang="en-US" sz="2400" dirty="0">
-                <a:hlinkClick r:id="rId2"/>
-              </a:rPr>
-              <a:t>https://www.kaggle.com/unsdsn/world-happiness/downloads/world-happiness-report.zip/2#2016.csv</a:t>
-            </a:r>
-            <a:r>
-              <a:rPr lang="en-US" sz="2400" dirty="0"/>
-              <a:t>.</a:t>
-            </a:r>
-          </a:p>
-        </p:txBody>
-      </p:sp>
+            <a:endParaRPr lang="en-US" dirty="0"/>
+          </a:p>
+        </p:txBody>
+      </p:sp>
+      <p:pic>
+        <p:nvPicPr>
+          <p:cNvPr id="5" name="Picture 4">
+            <a:extLst>
+              <a:ext uri="{FF2B5EF4-FFF2-40B4-BE49-F238E27FC236}">
+                <a16:creationId xmlns:a16="http://schemas.microsoft.com/office/drawing/2014/main" id="{693D4EA4-4886-1843-A94A-796C167249C2}"/>
+              </a:ext>
+            </a:extLst>
+          </p:cNvPr>
+          <p:cNvPicPr>
+            <a:picLocks noChangeAspect="1"/>
+          </p:cNvPicPr>
+          <p:nvPr/>
+        </p:nvPicPr>
+        <p:blipFill>
+          <a:blip r:embed="rId2"/>
+          <a:stretch>
+            <a:fillRect/>
+          </a:stretch>
+        </p:blipFill>
+        <p:spPr>
+          <a:xfrm>
+            <a:off x="0" y="646931"/>
+            <a:ext cx="12192000" cy="2052024"/>
+          </a:xfrm>
+          <a:prstGeom prst="rect">
+            <a:avLst/>
+          </a:prstGeom>
+        </p:spPr>
+      </p:pic>
+      <p:pic>
+        <p:nvPicPr>
+          <p:cNvPr id="7" name="Picture 6">
+            <a:extLst>
+              <a:ext uri="{FF2B5EF4-FFF2-40B4-BE49-F238E27FC236}">
+                <a16:creationId xmlns:a16="http://schemas.microsoft.com/office/drawing/2014/main" id="{248ADAAC-8118-D04B-B252-82126D578EF1}"/>
+              </a:ext>
+            </a:extLst>
+          </p:cNvPr>
+          <p:cNvPicPr>
+            <a:picLocks noChangeAspect="1"/>
+          </p:cNvPicPr>
+          <p:nvPr/>
+        </p:nvPicPr>
+        <p:blipFill>
+          <a:blip r:embed="rId3"/>
+          <a:stretch>
+            <a:fillRect/>
+          </a:stretch>
+        </p:blipFill>
+        <p:spPr>
+          <a:xfrm>
+            <a:off x="0" y="2698955"/>
+            <a:ext cx="12192000" cy="2221630"/>
+          </a:xfrm>
+          <a:prstGeom prst="rect">
+            <a:avLst/>
+          </a:prstGeom>
+        </p:spPr>
+      </p:pic>
+      <p:pic>
+        <p:nvPicPr>
+          <p:cNvPr id="9" name="Picture 8">
+            <a:extLst>
+              <a:ext uri="{FF2B5EF4-FFF2-40B4-BE49-F238E27FC236}">
+                <a16:creationId xmlns:a16="http://schemas.microsoft.com/office/drawing/2014/main" id="{06106B50-7EB7-C043-9507-E33F35136622}"/>
+              </a:ext>
+            </a:extLst>
+          </p:cNvPr>
+          <p:cNvPicPr>
+            <a:picLocks noChangeAspect="1"/>
+          </p:cNvPicPr>
+          <p:nvPr/>
+        </p:nvPicPr>
+        <p:blipFill>
+          <a:blip r:embed="rId4"/>
+          <a:stretch>
+            <a:fillRect/>
+          </a:stretch>
+        </p:blipFill>
+        <p:spPr>
+          <a:xfrm>
+            <a:off x="0" y="4771759"/>
+            <a:ext cx="12192000" cy="1983002"/>
+          </a:xfrm>
+          <a:prstGeom prst="rect">
+            <a:avLst/>
+          </a:prstGeom>
+        </p:spPr>
+      </p:pic>
     </p:spTree>
     <p:extLst>
       <p:ext uri="{BB962C8B-B14F-4D97-AF65-F5344CB8AC3E}">
-        <p14:creationId xmlns:p14="http://schemas.microsoft.com/office/powerpoint/2010/main" val="1461951804"/>
+        <p14:creationId xmlns:p14="http://schemas.microsoft.com/office/powerpoint/2010/main" val="3209042295"/>
       </p:ext>
     </p:extLst>
   </p:cSld>
@@ -4409,6 +4444,143 @@
           <p:cNvPr id="2" name="Title 1">
             <a:extLst>
               <a:ext uri="{FF2B5EF4-FFF2-40B4-BE49-F238E27FC236}">
+                <a16:creationId xmlns:a16="http://schemas.microsoft.com/office/drawing/2014/main" id="{C53A8609-8B6B-A947-A7C3-D5F5E3C088DD}"/>
+              </a:ext>
+            </a:extLst>
+          </p:cNvPr>
+          <p:cNvSpPr>
+            <a:spLocks noGrp="1"/>
+          </p:cNvSpPr>
+          <p:nvPr>
+            <p:ph type="title"/>
+          </p:nvPr>
+        </p:nvSpPr>
+        <p:spPr/>
+        <p:txBody>
+          <a:bodyPr/>
+          <a:lstStyle/>
+          <a:p>
+            <a:pPr algn="ctr"/>
+            <a:r>
+              <a:rPr lang="en-US" b="1" dirty="0"/>
+              <a:t>Dataset and motivation</a:t>
+            </a:r>
+          </a:p>
+        </p:txBody>
+      </p:sp>
+      <p:sp>
+        <p:nvSpPr>
+          <p:cNvPr id="3" name="Content Placeholder 2">
+            <a:extLst>
+              <a:ext uri="{FF2B5EF4-FFF2-40B4-BE49-F238E27FC236}">
+                <a16:creationId xmlns:a16="http://schemas.microsoft.com/office/drawing/2014/main" id="{EF81D2A8-435D-5043-ABCC-E31656A25BCF}"/>
+              </a:ext>
+            </a:extLst>
+          </p:cNvPr>
+          <p:cNvSpPr>
+            <a:spLocks noGrp="1"/>
+          </p:cNvSpPr>
+          <p:nvPr>
+            <p:ph idx="1"/>
+          </p:nvPr>
+        </p:nvSpPr>
+        <p:spPr/>
+        <p:txBody>
+          <a:bodyPr>
+            <a:normAutofit/>
+          </a:bodyPr>
+          <a:lstStyle/>
+          <a:p>
+            <a:r>
+              <a:rPr lang="en-US" dirty="0"/>
+              <a:t>Question: </a:t>
+            </a:r>
+          </a:p>
+          <a:p>
+            <a:r>
+              <a:rPr lang="en-US" sz="2400" dirty="0"/>
+              <a:t>What is the future happiness level in our world?</a:t>
+            </a:r>
+          </a:p>
+          <a:p>
+            <a:r>
+              <a:rPr lang="en-US" sz="2400" dirty="0"/>
+              <a:t>Can we create a model of whether people in different region are happy or sad?</a:t>
+            </a:r>
+          </a:p>
+          <a:p>
+            <a:pPr marL="0" indent="0">
+              <a:buNone/>
+            </a:pPr>
+            <a:r>
+              <a:rPr lang="en-US" sz="2400" dirty="0"/>
+              <a:t> All the question will solved by a logistic regression model.</a:t>
+            </a:r>
+          </a:p>
+          <a:p>
+            <a:pPr marL="0" indent="0">
+              <a:buNone/>
+            </a:pPr>
+            <a:r>
+              <a:rPr lang="en-US" sz="2400" dirty="0"/>
+              <a:t>    The input is the raw data. The output is the logistic regression model. It have the prediction data, the accuracy score, the coefficient, and the predict probability.</a:t>
+            </a:r>
+          </a:p>
+          <a:p>
+            <a:r>
+              <a:rPr lang="en-US" dirty="0"/>
+              <a:t>Our dataset from:</a:t>
+            </a:r>
+          </a:p>
+          <a:p>
+            <a:r>
+              <a:rPr lang="en-US" sz="2400" dirty="0">
+                <a:hlinkClick r:id="rId2"/>
+              </a:rPr>
+              <a:t>https://www.kaggle.com/unsdsn/world-happiness/downloads/world-happiness-report.zip/2#2016.csv</a:t>
+            </a:r>
+            <a:r>
+              <a:rPr lang="en-US" sz="2400" dirty="0"/>
+              <a:t>.</a:t>
+            </a:r>
+          </a:p>
+        </p:txBody>
+      </p:sp>
+    </p:spTree>
+    <p:extLst>
+      <p:ext uri="{BB962C8B-B14F-4D97-AF65-F5344CB8AC3E}">
+        <p14:creationId xmlns:p14="http://schemas.microsoft.com/office/powerpoint/2010/main" val="1461951804"/>
+      </p:ext>
+    </p:extLst>
+  </p:cSld>
+  <p:clrMapOvr>
+    <a:masterClrMapping/>
+  </p:clrMapOvr>
+</p:sld>
+</file>
+
+<file path=ppt/slides/slide4.xml><?xml version="1.0" encoding="utf-8"?>
+<p:sld xmlns:a="http://schemas.openxmlformats.org/drawingml/2006/main" xmlns:r="http://schemas.openxmlformats.org/officeDocument/2006/relationships" xmlns:p="http://schemas.openxmlformats.org/presentationml/2006/main">
+  <p:cSld>
+    <p:spTree>
+      <p:nvGrpSpPr>
+        <p:cNvPr id="1" name=""/>
+        <p:cNvGrpSpPr/>
+        <p:nvPr/>
+      </p:nvGrpSpPr>
+      <p:grpSpPr>
+        <a:xfrm>
+          <a:off x="0" y="0"/>
+          <a:ext cx="0" cy="0"/>
+          <a:chOff x="0" y="0"/>
+          <a:chExt cx="0" cy="0"/>
+        </a:xfrm>
+      </p:grpSpPr>
+      <p:sp>
+        <p:nvSpPr>
+          <p:cNvPr id="2" name="Title 1">
+            <a:extLst>
+              <a:ext uri="{FF2B5EF4-FFF2-40B4-BE49-F238E27FC236}">
                 <a16:creationId xmlns:a16="http://schemas.microsoft.com/office/drawing/2014/main" id="{BC7B6D72-9940-2E4B-8F10-BFBB2E9C2D20}"/>
               </a:ext>
             </a:extLst>
@@ -4542,7 +4714,7 @@
 </p:sld>
 </file>
 
-<file path=ppt/slides/slide4.xml><?xml version="1.0" encoding="utf-8"?>
+<file path=ppt/slides/slide5.xml><?xml version="1.0" encoding="utf-8"?>
 <p:sld xmlns:a="http://schemas.openxmlformats.org/drawingml/2006/main" xmlns:r="http://schemas.openxmlformats.org/officeDocument/2006/relationships" xmlns:p="http://schemas.openxmlformats.org/presentationml/2006/main">
   <p:cSld>
     <p:spTree>
@@ -4602,7 +4774,7 @@
 </p:sld>
 </file>
 
-<file path=ppt/slides/slide5.xml><?xml version="1.0" encoding="utf-8"?>
+<file path=ppt/slides/slide6.xml><?xml version="1.0" encoding="utf-8"?>
 <p:sld xmlns:a="http://schemas.openxmlformats.org/drawingml/2006/main" xmlns:r="http://schemas.openxmlformats.org/officeDocument/2006/relationships" xmlns:p="http://schemas.openxmlformats.org/presentationml/2006/main">
   <p:cSld>
     <p:spTree>
@@ -4683,94 +4855,6 @@
     <p:extLst>
       <p:ext uri="{BB962C8B-B14F-4D97-AF65-F5344CB8AC3E}">
         <p14:creationId xmlns:p14="http://schemas.microsoft.com/office/powerpoint/2010/main" val="4207033454"/>
-      </p:ext>
-    </p:extLst>
-  </p:cSld>
-  <p:clrMapOvr>
-    <a:masterClrMapping/>
-  </p:clrMapOvr>
-</p:sld>
-</file>
-
-<file path=ppt/slides/slide6.xml><?xml version="1.0" encoding="utf-8"?>
-<p:sld xmlns:a="http://schemas.openxmlformats.org/drawingml/2006/main" xmlns:r="http://schemas.openxmlformats.org/officeDocument/2006/relationships" xmlns:p="http://schemas.openxmlformats.org/presentationml/2006/main">
-  <p:cSld>
-    <p:spTree>
-      <p:nvGrpSpPr>
-        <p:cNvPr id="1" name=""/>
-        <p:cNvGrpSpPr/>
-        <p:nvPr/>
-      </p:nvGrpSpPr>
-      <p:grpSpPr>
-        <a:xfrm>
-          <a:off x="0" y="0"/>
-          <a:ext cx="0" cy="0"/>
-          <a:chOff x="0" y="0"/>
-          <a:chExt cx="0" cy="0"/>
-        </a:xfrm>
-      </p:grpSpPr>
-      <p:sp>
-        <p:nvSpPr>
-          <p:cNvPr id="2" name="Title 1">
-            <a:extLst>
-              <a:ext uri="{FF2B5EF4-FFF2-40B4-BE49-F238E27FC236}">
-                <a16:creationId xmlns:a16="http://schemas.microsoft.com/office/drawing/2014/main" id="{109C4F61-DCF3-6441-951D-28E528C81BA6}"/>
-              </a:ext>
-            </a:extLst>
-          </p:cNvPr>
-          <p:cNvSpPr>
-            <a:spLocks noGrp="1"/>
-          </p:cNvSpPr>
-          <p:nvPr>
-            <p:ph type="title"/>
-          </p:nvPr>
-        </p:nvSpPr>
-        <p:spPr/>
-        <p:txBody>
-          <a:bodyPr/>
-          <a:lstStyle/>
-          <a:p>
-            <a:pPr algn="ctr"/>
-            <a:r>
-              <a:rPr lang="en-US" b="1" dirty="0"/>
-              <a:t>Statistical Summary</a:t>
-            </a:r>
-            <a:endParaRPr lang="en-US" dirty="0"/>
-          </a:p>
-        </p:txBody>
-      </p:sp>
-      <p:sp>
-        <p:nvSpPr>
-          <p:cNvPr id="3" name="Content Placeholder 2">
-            <a:extLst>
-              <a:ext uri="{FF2B5EF4-FFF2-40B4-BE49-F238E27FC236}">
-                <a16:creationId xmlns:a16="http://schemas.microsoft.com/office/drawing/2014/main" id="{8CF5630B-B64A-514D-926C-0034C767FB76}"/>
-              </a:ext>
-            </a:extLst>
-          </p:cNvPr>
-          <p:cNvSpPr>
-            <a:spLocks noGrp="1"/>
-          </p:cNvSpPr>
-          <p:nvPr>
-            <p:ph idx="1"/>
-          </p:nvPr>
-        </p:nvSpPr>
-        <p:spPr/>
-        <p:txBody>
-          <a:bodyPr/>
-          <a:lstStyle/>
-          <a:p>
-            <a:r>
-              <a:rPr lang="en-US" dirty="0"/>
-              <a:t>From the summary, we can see that all of our data are numerical, so we could find the mean, standard deviation, min value, 25 percent quantile, 50 percent quantile, 75 percent quantile, and max value. We could see the mean score of "Happiness Score". We use it as a guide to create the "happy sad" column. There are duplicate value for "Region" because we are using 3 years of data for all countries. Thus we consider to keep to duplicate in order to create the model.</a:t>
-            </a:r>
-          </a:p>
-        </p:txBody>
-      </p:sp>
-    </p:spTree>
-    <p:extLst>
-      <p:ext uri="{BB962C8B-B14F-4D97-AF65-F5344CB8AC3E}">
-        <p14:creationId xmlns:p14="http://schemas.microsoft.com/office/powerpoint/2010/main" val="680020722"/>
       </p:ext>
     </p:extLst>
   </p:cSld>
